--- a/figures/fig10.pptx
+++ b/figures/fig10.pptx
@@ -104,6 +104,11 @@
       </a:defRPr>
     </a:lvl9pPr>
   </p:defaultTextStyle>
+  <p:extLst>
+    <p:ext uri="{EFAFB233-063F-42B5-8137-9DF3F51BA10A}">
+      <p15:sldGuideLst xmlns:p15="http://schemas.microsoft.com/office/powerpoint/2012/main"/>
+    </p:ext>
+  </p:extLst>
 </p:presentation>
 </file>
 
@@ -4141,8 +4146,8 @@
         </p:blipFill>
         <p:spPr>
           <a:xfrm>
-            <a:off x="8819768" y="8626"/>
-            <a:ext cx="3231109" cy="2422409"/>
+            <a:off x="8939851" y="124233"/>
+            <a:ext cx="2957275" cy="2217112"/>
           </a:xfrm>
           <a:prstGeom prst="rect">
             <a:avLst/>
@@ -4151,10 +4156,10 @@
       </p:pic>
       <p:sp>
         <p:nvSpPr>
-          <p:cNvPr id="46" name="TextBox 45">
-            <a:extLst>
-              <a:ext uri="{FF2B5EF4-FFF2-40B4-BE49-F238E27FC236}">
-                <a16:creationId xmlns:a16="http://schemas.microsoft.com/office/drawing/2014/main" id="{E5855875-DA0F-4CAD-84D2-4581B2024FC9}"/>
+          <p:cNvPr id="47" name="TextBox 46">
+            <a:extLst>
+              <a:ext uri="{FF2B5EF4-FFF2-40B4-BE49-F238E27FC236}">
+                <a16:creationId xmlns:a16="http://schemas.microsoft.com/office/drawing/2014/main" id="{38A881BF-B10F-48AF-A8E0-47CBC49CCDC3}"/>
               </a:ext>
             </a:extLst>
           </p:cNvPr>
@@ -4163,8 +4168,8 @@
         </p:nvSpPr>
         <p:spPr>
           <a:xfrm>
-            <a:off x="70459" y="69012"/>
-            <a:ext cx="409086" cy="323165"/>
+            <a:off x="3135223" y="75319"/>
+            <a:ext cx="429926" cy="323165"/>
           </a:xfrm>
           <a:prstGeom prst="rect">
             <a:avLst/>
@@ -4181,17 +4186,17 @@
               <a:rPr lang="en-US" sz="1500" b="1" dirty="0">
                 <a:latin typeface="Palatino Linotype" panose="02040502050505030304" pitchFamily="18" charset="0"/>
               </a:rPr>
-              <a:t>(a)</a:t>
-            </a:r>
-          </a:p>
-        </p:txBody>
-      </p:sp>
-      <p:sp>
-        <p:nvSpPr>
-          <p:cNvPr id="47" name="TextBox 46">
-            <a:extLst>
-              <a:ext uri="{FF2B5EF4-FFF2-40B4-BE49-F238E27FC236}">
-                <a16:creationId xmlns:a16="http://schemas.microsoft.com/office/drawing/2014/main" id="{38A881BF-B10F-48AF-A8E0-47CBC49CCDC3}"/>
+              <a:t>(b)</a:t>
+            </a:r>
+          </a:p>
+        </p:txBody>
+      </p:sp>
+      <p:sp>
+        <p:nvSpPr>
+          <p:cNvPr id="48" name="TextBox 47">
+            <a:extLst>
+              <a:ext uri="{FF2B5EF4-FFF2-40B4-BE49-F238E27FC236}">
+                <a16:creationId xmlns:a16="http://schemas.microsoft.com/office/drawing/2014/main" id="{BC07D6D4-B54C-4FCF-99D3-B21325DA3272}"/>
               </a:ext>
             </a:extLst>
           </p:cNvPr>
@@ -4200,8 +4205,8 @@
         </p:nvSpPr>
         <p:spPr>
           <a:xfrm>
-            <a:off x="3212857" y="75319"/>
-            <a:ext cx="429926" cy="323165"/>
+            <a:off x="8593059" y="69011"/>
+            <a:ext cx="397866" cy="323165"/>
           </a:xfrm>
           <a:prstGeom prst="rect">
             <a:avLst/>
@@ -4218,17 +4223,17 @@
               <a:rPr lang="en-US" sz="1500" b="1" dirty="0">
                 <a:latin typeface="Palatino Linotype" panose="02040502050505030304" pitchFamily="18" charset="0"/>
               </a:rPr>
-              <a:t>(b)</a:t>
-            </a:r>
-          </a:p>
-        </p:txBody>
-      </p:sp>
-      <p:sp>
-        <p:nvSpPr>
-          <p:cNvPr id="48" name="TextBox 47">
-            <a:extLst>
-              <a:ext uri="{FF2B5EF4-FFF2-40B4-BE49-F238E27FC236}">
-                <a16:creationId xmlns:a16="http://schemas.microsoft.com/office/drawing/2014/main" id="{BC07D6D4-B54C-4FCF-99D3-B21325DA3272}"/>
+              <a:t>(c)</a:t>
+            </a:r>
+          </a:p>
+        </p:txBody>
+      </p:sp>
+      <p:sp>
+        <p:nvSpPr>
+          <p:cNvPr id="49" name="TextBox 48">
+            <a:extLst>
+              <a:ext uri="{FF2B5EF4-FFF2-40B4-BE49-F238E27FC236}">
+                <a16:creationId xmlns:a16="http://schemas.microsoft.com/office/drawing/2014/main" id="{79108A5A-2351-4BC5-A6A4-BE35B16C2E91}"/>
               </a:ext>
             </a:extLst>
           </p:cNvPr>
@@ -4237,8 +4242,8 @@
         </p:nvSpPr>
         <p:spPr>
           <a:xfrm>
-            <a:off x="8593059" y="69011"/>
-            <a:ext cx="397866" cy="323165"/>
+            <a:off x="80555" y="2271905"/>
+            <a:ext cx="429926" cy="323165"/>
           </a:xfrm>
           <a:prstGeom prst="rect">
             <a:avLst/>
@@ -4255,17 +4260,203 @@
               <a:rPr lang="en-US" sz="1500" b="1" dirty="0">
                 <a:latin typeface="Palatino Linotype" panose="02040502050505030304" pitchFamily="18" charset="0"/>
               </a:rPr>
-              <a:t>(c)</a:t>
-            </a:r>
-          </a:p>
-        </p:txBody>
-      </p:sp>
-      <p:sp>
-        <p:nvSpPr>
-          <p:cNvPr id="49" name="TextBox 48">
-            <a:extLst>
-              <a:ext uri="{FF2B5EF4-FFF2-40B4-BE49-F238E27FC236}">
-                <a16:creationId xmlns:a16="http://schemas.microsoft.com/office/drawing/2014/main" id="{79108A5A-2351-4BC5-A6A4-BE35B16C2E91}"/>
+              <a:t>(d)</a:t>
+            </a:r>
+          </a:p>
+        </p:txBody>
+      </p:sp>
+      <p:pic>
+        <p:nvPicPr>
+          <p:cNvPr id="3" name="Picture 2" descr="A picture containing chart&#10;&#10;Description automatically generated">
+            <a:extLst>
+              <a:ext uri="{FF2B5EF4-FFF2-40B4-BE49-F238E27FC236}">
+                <a16:creationId xmlns:a16="http://schemas.microsoft.com/office/drawing/2014/main" id="{0F69A03B-9509-433B-BC1F-3F5B3E24D8C1}"/>
+              </a:ext>
+            </a:extLst>
+          </p:cNvPr>
+          <p:cNvPicPr>
+            <a:picLocks noChangeAspect="1"/>
+          </p:cNvPicPr>
+          <p:nvPr/>
+        </p:nvPicPr>
+        <p:blipFill>
+          <a:blip r:embed="rId22">
+            <a:extLst>
+              <a:ext uri="{28A0092B-C50C-407E-A947-70E740481C1C}">
+                <a14:useLocalDpi xmlns:a14="http://schemas.microsoft.com/office/drawing/2010/main" val="0"/>
+              </a:ext>
+            </a:extLst>
+          </a:blip>
+          <a:stretch>
+            <a:fillRect/>
+          </a:stretch>
+        </p:blipFill>
+        <p:spPr>
+          <a:xfrm>
+            <a:off x="332754" y="85177"/>
+            <a:ext cx="2691930" cy="2018948"/>
+          </a:xfrm>
+          <a:prstGeom prst="rect">
+            <a:avLst/>
+          </a:prstGeom>
+        </p:spPr>
+      </p:pic>
+      <p:sp>
+        <p:nvSpPr>
+          <p:cNvPr id="34" name="Rectangle 33">
+            <a:extLst>
+              <a:ext uri="{FF2B5EF4-FFF2-40B4-BE49-F238E27FC236}">
+                <a16:creationId xmlns:a16="http://schemas.microsoft.com/office/drawing/2014/main" id="{B9AC7196-3A2E-4EDA-AD15-EE0FAF8F3540}"/>
+              </a:ext>
+            </a:extLst>
+          </p:cNvPr>
+          <p:cNvSpPr/>
+          <p:nvPr/>
+        </p:nvSpPr>
+        <p:spPr>
+          <a:xfrm rot="5400000">
+            <a:off x="1540390" y="1032925"/>
+            <a:ext cx="120941" cy="1897813"/>
+          </a:xfrm>
+          <a:prstGeom prst="rect">
+            <a:avLst/>
+          </a:prstGeom>
+          <a:solidFill>
+            <a:schemeClr val="bg1"/>
+          </a:solidFill>
+          <a:ln>
+            <a:solidFill>
+              <a:schemeClr val="bg1"/>
+            </a:solidFill>
+          </a:ln>
+        </p:spPr>
+        <p:style>
+          <a:lnRef idx="2">
+            <a:schemeClr val="accent1">
+              <a:shade val="50000"/>
+            </a:schemeClr>
+          </a:lnRef>
+          <a:fillRef idx="1">
+            <a:schemeClr val="accent1"/>
+          </a:fillRef>
+          <a:effectRef idx="0">
+            <a:schemeClr val="accent1"/>
+          </a:effectRef>
+          <a:fontRef idx="minor">
+            <a:schemeClr val="lt1"/>
+          </a:fontRef>
+        </p:style>
+        <p:txBody>
+          <a:bodyPr rtlCol="0" anchor="ctr"/>
+          <a:lstStyle/>
+          <a:p>
+            <a:pPr algn="ctr"/>
+            <a:endParaRPr lang="en-US"/>
+          </a:p>
+        </p:txBody>
+      </p:sp>
+      <p:sp>
+        <p:nvSpPr>
+          <p:cNvPr id="36" name="Rectangle 35">
+            <a:extLst>
+              <a:ext uri="{FF2B5EF4-FFF2-40B4-BE49-F238E27FC236}">
+                <a16:creationId xmlns:a16="http://schemas.microsoft.com/office/drawing/2014/main" id="{93C27C12-E809-4CBE-A8EC-62C338278032}"/>
+              </a:ext>
+            </a:extLst>
+          </p:cNvPr>
+          <p:cNvSpPr/>
+          <p:nvPr/>
+        </p:nvSpPr>
+        <p:spPr>
+          <a:xfrm>
+            <a:off x="510370" y="151613"/>
+            <a:ext cx="120941" cy="1897813"/>
+          </a:xfrm>
+          <a:prstGeom prst="rect">
+            <a:avLst/>
+          </a:prstGeom>
+          <a:solidFill>
+            <a:schemeClr val="bg1"/>
+          </a:solidFill>
+          <a:ln>
+            <a:solidFill>
+              <a:schemeClr val="bg1"/>
+            </a:solidFill>
+          </a:ln>
+        </p:spPr>
+        <p:style>
+          <a:lnRef idx="2">
+            <a:schemeClr val="accent1">
+              <a:shade val="50000"/>
+            </a:schemeClr>
+          </a:lnRef>
+          <a:fillRef idx="1">
+            <a:schemeClr val="accent1"/>
+          </a:fillRef>
+          <a:effectRef idx="0">
+            <a:schemeClr val="accent1"/>
+          </a:effectRef>
+          <a:fontRef idx="minor">
+            <a:schemeClr val="lt1"/>
+          </a:fontRef>
+        </p:style>
+        <p:txBody>
+          <a:bodyPr rtlCol="0" anchor="ctr"/>
+          <a:lstStyle/>
+          <a:p>
+            <a:pPr algn="ctr"/>
+            <a:endParaRPr lang="en-US"/>
+          </a:p>
+        </p:txBody>
+      </p:sp>
+      <p:cxnSp>
+        <p:nvCxnSpPr>
+          <p:cNvPr id="6" name="Straight Arrow Connector 5">
+            <a:extLst>
+              <a:ext uri="{FF2B5EF4-FFF2-40B4-BE49-F238E27FC236}">
+                <a16:creationId xmlns:a16="http://schemas.microsoft.com/office/drawing/2014/main" id="{EE32FE2B-6DE8-4FA9-9F35-BD1E3F2B32A4}"/>
+              </a:ext>
+            </a:extLst>
+          </p:cNvPr>
+          <p:cNvCxnSpPr>
+            <a:cxnSpLocks/>
+          </p:cNvCxnSpPr>
+          <p:nvPr/>
+        </p:nvCxnSpPr>
+        <p:spPr>
+          <a:xfrm>
+            <a:off x="600422" y="1977174"/>
+            <a:ext cx="1966822" cy="0"/>
+          </a:xfrm>
+          <a:prstGeom prst="straightConnector1">
+            <a:avLst/>
+          </a:prstGeom>
+          <a:ln w="28575">
+            <a:headEnd type="triangle"/>
+            <a:tailEnd type="triangle"/>
+          </a:ln>
+        </p:spPr>
+        <p:style>
+          <a:lnRef idx="1">
+            <a:schemeClr val="dk1"/>
+          </a:lnRef>
+          <a:fillRef idx="0">
+            <a:schemeClr val="dk1"/>
+          </a:fillRef>
+          <a:effectRef idx="0">
+            <a:schemeClr val="dk1"/>
+          </a:effectRef>
+          <a:fontRef idx="minor">
+            <a:schemeClr val="tx1"/>
+          </a:fontRef>
+        </p:style>
+      </p:cxnSp>
+      <p:sp>
+        <p:nvSpPr>
+          <p:cNvPr id="12" name="TextBox 11">
+            <a:extLst>
+              <a:ext uri="{FF2B5EF4-FFF2-40B4-BE49-F238E27FC236}">
+                <a16:creationId xmlns:a16="http://schemas.microsoft.com/office/drawing/2014/main" id="{55BD28CB-262A-4AA8-9280-A9D4E8E6DC86}"/>
               </a:ext>
             </a:extLst>
           </p:cNvPr>
@@ -4274,8 +4465,8 @@
         </p:nvSpPr>
         <p:spPr>
           <a:xfrm>
-            <a:off x="80555" y="2271905"/>
-            <a:ext cx="429926" cy="323165"/>
+            <a:off x="5833750" y="2225738"/>
+            <a:ext cx="535724" cy="369332"/>
           </a:xfrm>
           <a:prstGeom prst="rect">
             <a:avLst/>
@@ -4289,10 +4480,253 @@
           <a:lstStyle/>
           <a:p>
             <a:r>
+              <a:rPr lang="en-US" dirty="0"/>
+              <a:t> </a:t>
+            </a:r>
+            <a:r>
               <a:rPr lang="en-US" sz="1500" b="1" dirty="0">
                 <a:latin typeface="Palatino Linotype" panose="02040502050505030304" pitchFamily="18" charset="0"/>
               </a:rPr>
-              <a:t>(d)</a:t>
+              <a:t>(m)</a:t>
+            </a:r>
+          </a:p>
+        </p:txBody>
+      </p:sp>
+      <p:sp>
+        <p:nvSpPr>
+          <p:cNvPr id="38" name="TextBox 37">
+            <a:extLst>
+              <a:ext uri="{FF2B5EF4-FFF2-40B4-BE49-F238E27FC236}">
+                <a16:creationId xmlns:a16="http://schemas.microsoft.com/office/drawing/2014/main" id="{782C3088-3F5A-47C4-A895-FBFB1EBCBF44}"/>
+              </a:ext>
+            </a:extLst>
+          </p:cNvPr>
+          <p:cNvSpPr txBox="1"/>
+          <p:nvPr/>
+        </p:nvSpPr>
+        <p:spPr>
+          <a:xfrm rot="16200000">
+            <a:off x="2561785" y="934022"/>
+            <a:ext cx="708848" cy="369332"/>
+          </a:xfrm>
+          <a:prstGeom prst="rect">
+            <a:avLst/>
+          </a:prstGeom>
+          <a:noFill/>
+        </p:spPr>
+        <p:txBody>
+          <a:bodyPr wrap="none" rtlCol="0">
+            <a:spAutoFit/>
+          </a:bodyPr>
+          <a:lstStyle/>
+          <a:p>
+            <a:r>
+              <a:rPr lang="en-US" dirty="0"/>
+              <a:t> </a:t>
+            </a:r>
+            <a:r>
+              <a:rPr lang="en-US" sz="1500" b="1" dirty="0">
+                <a:latin typeface="Palatino Linotype" panose="02040502050505030304" pitchFamily="18" charset="0"/>
+              </a:rPr>
+              <a:t>(mm)</a:t>
+            </a:r>
+          </a:p>
+        </p:txBody>
+      </p:sp>
+      <p:sp>
+        <p:nvSpPr>
+          <p:cNvPr id="40" name="TextBox 39">
+            <a:extLst>
+              <a:ext uri="{FF2B5EF4-FFF2-40B4-BE49-F238E27FC236}">
+                <a16:creationId xmlns:a16="http://schemas.microsoft.com/office/drawing/2014/main" id="{759F6BC3-175F-454B-9946-11454E5D1A3B}"/>
+              </a:ext>
+            </a:extLst>
+          </p:cNvPr>
+          <p:cNvSpPr txBox="1"/>
+          <p:nvPr/>
+        </p:nvSpPr>
+        <p:spPr>
+          <a:xfrm rot="16200000">
+            <a:off x="3213990" y="1022920"/>
+            <a:ext cx="535724" cy="369332"/>
+          </a:xfrm>
+          <a:prstGeom prst="rect">
+            <a:avLst/>
+          </a:prstGeom>
+          <a:noFill/>
+        </p:spPr>
+        <p:txBody>
+          <a:bodyPr wrap="none" rtlCol="0">
+            <a:spAutoFit/>
+          </a:bodyPr>
+          <a:lstStyle/>
+          <a:p>
+            <a:r>
+              <a:rPr lang="en-US" dirty="0"/>
+              <a:t> </a:t>
+            </a:r>
+            <a:r>
+              <a:rPr lang="en-US" sz="1500" b="1" dirty="0">
+                <a:latin typeface="Palatino Linotype" panose="02040502050505030304" pitchFamily="18" charset="0"/>
+              </a:rPr>
+              <a:t>(m)</a:t>
+            </a:r>
+          </a:p>
+        </p:txBody>
+      </p:sp>
+      <p:sp>
+        <p:nvSpPr>
+          <p:cNvPr id="44" name="TextBox 43">
+            <a:extLst>
+              <a:ext uri="{FF2B5EF4-FFF2-40B4-BE49-F238E27FC236}">
+                <a16:creationId xmlns:a16="http://schemas.microsoft.com/office/drawing/2014/main" id="{E9C8566D-3E8B-44AE-B2A2-26783EE655B4}"/>
+              </a:ext>
+            </a:extLst>
+          </p:cNvPr>
+          <p:cNvSpPr txBox="1"/>
+          <p:nvPr/>
+        </p:nvSpPr>
+        <p:spPr>
+          <a:xfrm>
+            <a:off x="10016459" y="2156599"/>
+            <a:ext cx="537327" cy="369332"/>
+          </a:xfrm>
+          <a:prstGeom prst="rect">
+            <a:avLst/>
+          </a:prstGeom>
+          <a:noFill/>
+        </p:spPr>
+        <p:txBody>
+          <a:bodyPr wrap="none" rtlCol="0">
+            <a:spAutoFit/>
+          </a:bodyPr>
+          <a:lstStyle/>
+          <a:p>
+            <a:r>
+              <a:rPr lang="en-US" dirty="0"/>
+              <a:t> </a:t>
+            </a:r>
+            <a:r>
+              <a:rPr lang="en-US" sz="1500" b="1" dirty="0">
+                <a:latin typeface="Palatino Linotype" panose="02040502050505030304" pitchFamily="18" charset="0"/>
+              </a:rPr>
+              <a:t>(m)</a:t>
+            </a:r>
+          </a:p>
+        </p:txBody>
+      </p:sp>
+      <p:sp>
+        <p:nvSpPr>
+          <p:cNvPr id="50" name="TextBox 49">
+            <a:extLst>
+              <a:ext uri="{FF2B5EF4-FFF2-40B4-BE49-F238E27FC236}">
+                <a16:creationId xmlns:a16="http://schemas.microsoft.com/office/drawing/2014/main" id="{85D99EFC-893A-4EC7-A4F1-56419C8E3912}"/>
+              </a:ext>
+            </a:extLst>
+          </p:cNvPr>
+          <p:cNvSpPr txBox="1"/>
+          <p:nvPr/>
+        </p:nvSpPr>
+        <p:spPr>
+          <a:xfrm rot="16200000">
+            <a:off x="8602581" y="1022919"/>
+            <a:ext cx="537327" cy="369332"/>
+          </a:xfrm>
+          <a:prstGeom prst="rect">
+            <a:avLst/>
+          </a:prstGeom>
+          <a:noFill/>
+        </p:spPr>
+        <p:txBody>
+          <a:bodyPr wrap="none" rtlCol="0">
+            <a:spAutoFit/>
+          </a:bodyPr>
+          <a:lstStyle/>
+          <a:p>
+            <a:r>
+              <a:rPr lang="en-US" dirty="0"/>
+              <a:t> </a:t>
+            </a:r>
+            <a:r>
+              <a:rPr lang="en-US" sz="1500" b="1" dirty="0">
+                <a:latin typeface="Palatino Linotype" panose="02040502050505030304" pitchFamily="18" charset="0"/>
+              </a:rPr>
+              <a:t>(m)</a:t>
+            </a:r>
+          </a:p>
+        </p:txBody>
+      </p:sp>
+      <p:sp>
+        <p:nvSpPr>
+          <p:cNvPr id="51" name="TextBox 50">
+            <a:extLst>
+              <a:ext uri="{FF2B5EF4-FFF2-40B4-BE49-F238E27FC236}">
+                <a16:creationId xmlns:a16="http://schemas.microsoft.com/office/drawing/2014/main" id="{ED2BAFB3-B2E0-4895-8723-1988478C770F}"/>
+              </a:ext>
+            </a:extLst>
+          </p:cNvPr>
+          <p:cNvSpPr txBox="1"/>
+          <p:nvPr/>
+        </p:nvSpPr>
+        <p:spPr>
+          <a:xfrm>
+            <a:off x="1180038" y="1935624"/>
+            <a:ext cx="840295" cy="369332"/>
+          </a:xfrm>
+          <a:prstGeom prst="rect">
+            <a:avLst/>
+          </a:prstGeom>
+          <a:noFill/>
+        </p:spPr>
+        <p:txBody>
+          <a:bodyPr wrap="none" rtlCol="0">
+            <a:spAutoFit/>
+          </a:bodyPr>
+          <a:lstStyle/>
+          <a:p>
+            <a:r>
+              <a:rPr lang="en-US" dirty="0"/>
+              <a:t>24 mm</a:t>
+            </a:r>
+            <a:endParaRPr lang="en-US" sz="1500" b="1" dirty="0">
+              <a:latin typeface="Palatino Linotype" panose="02040502050505030304" pitchFamily="18" charset="0"/>
+            </a:endParaRPr>
+          </a:p>
+        </p:txBody>
+      </p:sp>
+      <p:sp>
+        <p:nvSpPr>
+          <p:cNvPr id="46" name="TextBox 45">
+            <a:extLst>
+              <a:ext uri="{FF2B5EF4-FFF2-40B4-BE49-F238E27FC236}">
+                <a16:creationId xmlns:a16="http://schemas.microsoft.com/office/drawing/2014/main" id="{E5855875-DA0F-4CAD-84D2-4581B2024FC9}"/>
+              </a:ext>
+            </a:extLst>
+          </p:cNvPr>
+          <p:cNvSpPr txBox="1"/>
+          <p:nvPr/>
+        </p:nvSpPr>
+        <p:spPr>
+          <a:xfrm>
+            <a:off x="70459" y="69012"/>
+            <a:ext cx="409086" cy="323165"/>
+          </a:xfrm>
+          <a:prstGeom prst="rect">
+            <a:avLst/>
+          </a:prstGeom>
+          <a:noFill/>
+        </p:spPr>
+        <p:txBody>
+          <a:bodyPr wrap="none" rtlCol="0">
+            <a:spAutoFit/>
+          </a:bodyPr>
+          <a:lstStyle/>
+          <a:p>
+            <a:r>
+              <a:rPr lang="en-US" sz="1500" b="1" dirty="0">
+                <a:latin typeface="Palatino Linotype" panose="02040502050505030304" pitchFamily="18" charset="0"/>
+              </a:rPr>
+              <a:t>(a)</a:t>
             </a:r>
           </a:p>
         </p:txBody>
